--- a/C#/PPT/Classes & Objects.pptx
+++ b/C#/PPT/Classes & Objects.pptx
@@ -160,39 +160,6 @@
 </p:presentation>
 </file>
 
-<file path=ppt/ink/ink1.xml><?xml version="1.0" encoding="utf-8"?>
-<inkml:ink xmlns:inkml="http://www.w3.org/2003/InkML">
-  <inkml:definitions>
-    <inkml:context xml:id="ctx0">
-      <inkml:inkSource xml:id="inkSrc0">
-        <inkml:traceFormat>
-          <inkml:channel name="X" type="integer" max="1920" units="cm"/>
-          <inkml:channel name="Y" type="integer" max="1080" units="cm"/>
-          <inkml:channel name="T" type="integer" max="2.14748E9" units="dev"/>
-        </inkml:traceFormat>
-        <inkml:channelProperties>
-          <inkml:channelProperty channel="X" name="resolution" value="62.13592" units="1/cm"/>
-          <inkml:channelProperty channel="Y" name="resolution" value="62.42775" units="1/cm"/>
-          <inkml:channelProperty channel="T" name="resolution" value="1" units="1/dev"/>
-        </inkml:channelProperties>
-      </inkml:inkSource>
-      <inkml:timestamp xml:id="ts0" timeString="2022-03-23T13:55:35.645"/>
-    </inkml:context>
-    <inkml:brush xml:id="br0">
-      <inkml:brushProperty name="width" value="0.05292" units="cm"/>
-      <inkml:brushProperty name="height" value="0.05292" units="cm"/>
-      <inkml:brushProperty name="color" value="#FF0000"/>
-    </inkml:brush>
-  </inkml:definitions>
-  <inkml:trace contextRef="#ctx0" brushRef="#br0">12912 4180 0,'18'36'125,"17"-1"-125,0 0 15,0 1-15,1-19 0,-19 18 16,19-17-16,-19 0 15,1-1-15,0 1 16,-1 0 0,1-18 62,0 0-47,17-18-31,88-35 0,1-53 16,-1 18-1,36-35-15,0-1 16,-1 18-16,-52 0 0,-53 54 16,18-19-16,-18 53 15,-36 1-15,1 17 16,0 0 31,-1 0-16,1 0-15,0-18-1</inkml:trace>
-  <inkml:trace contextRef="#ctx0" brushRef="#br0" timeOffset="1675.86">6333 13212 0,'17'17'47,"1"1"-32,0-1-15,-1 1 16,-17 0-16,18-18 15,-18 17-15,18 1 16,-1 0 0,1-1-16,-1 1 15,36 0-15,-17-1 16,17 1-16,35-18 16,-18 0-16,19-35 15,-1-36-15,0 18 16,35-35-16,-34 53 15,-37 17-15,1 0 16,-35-17 0,0 17-16</inkml:trace>
-  <inkml:trace contextRef="#ctx0" brushRef="#br0" timeOffset="3845.72">6791 13829 0,'18'0'62,"0"0"-46,-1 18-16,1-18 16,0 0-16,-18 17 15,17 1-15,1-18 16,-1 17-16,1 1 16,0-18-16,17 18 15,0-18 1,36 0-16,-18 0 15,-18 0-15,18 0 16,-18-18-16,0 0 16,1 1-16,-1-1 15,-17 1-15,-1-1 16,1 0-16,0 1 16,-1 17-1,1-18-15,-1 0 16,1 18-16,0 0 15,-1 0-15,1-17 16,-18-1 0,18 18-1,-18-18-15,17 18 32</inkml:trace>
-  <inkml:trace contextRef="#ctx0" brushRef="#br0" timeOffset="6479.53">15470 6914 0,'17'36'47,"54"52"-47,-1 0 15,-17-17 1,-17-18-16,34 17 0,-52-52 16,-1-18-1,-17 17 1,53-52 78,36-35-94,34-1 15,36 0-15,70-17 16,-70 18-16,0-18 16,-71 17-16,-18-17 15,-17 35-15,-17 35 16,-19 1-16,1 17 15</inkml:trace>
-  <inkml:trace contextRef="#ctx0" brushRef="#br0" timeOffset="11847.05">7532 14411 0,'18'0'78,"-1"18"-78,1-1 16,0 1 0,-18 0-16,17-1 15,1-17-15,0 18 16,35-18-16,17 17 16,89-17-16,53 18 15,105-18-15,0 0 16,-17 0-16,53 35 15,35-35 1,-159-70-16,-52 52 0,-54-17 16,-70 17-16</inkml:trace>
-  <inkml:trace contextRef="#ctx0" brushRef="#br0" timeOffset="13302.4">14641 9737 0,'17'17'47,"1"1"-31,0 17-16,17-17 15,-18 35-15,19-36 16,-19 1-16,1 17 16,17-17-16,-17 17 15,0-35-15,-1 18 16,1-18-1,-1 0 95,54-18-110,52-52 15,19-19-15,16 19 16,36-106-16,0 70 16,-70 35-16,-18 1 15,-53-1-15,-18 53 16,-17 1-16</inkml:trace>
-</inkml:ink>
-</file>
-
 <file path=ppt/notesMasters/notesMaster1.xml><?xml version="1.0" encoding="utf-8"?>
 <p:notesMaster xmlns:a="http://schemas.openxmlformats.org/drawingml/2006/main" xmlns:r="http://schemas.openxmlformats.org/officeDocument/2006/relationships" xmlns:p="http://schemas.openxmlformats.org/presentationml/2006/main">
   <p:cSld>
@@ -276,7 +243,7 @@
             <a:fld id="{B13155C5-DA3C-4C88-9DA1-9BFC3AECD68D}" type="datetimeFigureOut">
               <a:rPr lang="en-US" smtClean="0"/>
               <a:pPr/>
-              <a:t>6/23/2023</a:t>
+              <a:t>6/26/2023</a:t>
             </a:fld>
             <a:endParaRPr lang="en-US"/>
           </a:p>
@@ -726,7 +693,7 @@
             <a:fld id="{1D8BD707-D9CF-40AE-B4C6-C98DA3205C09}" type="datetimeFigureOut">
               <a:rPr lang="en-US" smtClean="0"/>
               <a:pPr/>
-              <a:t>6/23/2023</a:t>
+              <a:t>6/26/2023</a:t>
             </a:fld>
             <a:endParaRPr lang="en-US"/>
           </a:p>
@@ -894,7 +861,7 @@
             <a:fld id="{1D8BD707-D9CF-40AE-B4C6-C98DA3205C09}" type="datetimeFigureOut">
               <a:rPr lang="en-US" smtClean="0"/>
               <a:pPr/>
-              <a:t>6/23/2023</a:t>
+              <a:t>6/26/2023</a:t>
             </a:fld>
             <a:endParaRPr lang="en-US"/>
           </a:p>
@@ -1072,7 +1039,7 @@
             <a:fld id="{1D8BD707-D9CF-40AE-B4C6-C98DA3205C09}" type="datetimeFigureOut">
               <a:rPr lang="en-US" smtClean="0"/>
               <a:pPr/>
-              <a:t>6/23/2023</a:t>
+              <a:t>6/26/2023</a:t>
             </a:fld>
             <a:endParaRPr lang="en-US"/>
           </a:p>
@@ -1240,7 +1207,7 @@
             <a:fld id="{1D8BD707-D9CF-40AE-B4C6-C98DA3205C09}" type="datetimeFigureOut">
               <a:rPr lang="en-US" smtClean="0"/>
               <a:pPr/>
-              <a:t>6/23/2023</a:t>
+              <a:t>6/26/2023</a:t>
             </a:fld>
             <a:endParaRPr lang="en-US"/>
           </a:p>
@@ -1485,7 +1452,7 @@
             <a:fld id="{1D8BD707-D9CF-40AE-B4C6-C98DA3205C09}" type="datetimeFigureOut">
               <a:rPr lang="en-US" smtClean="0"/>
               <a:pPr/>
-              <a:t>6/23/2023</a:t>
+              <a:t>6/26/2023</a:t>
             </a:fld>
             <a:endParaRPr lang="en-US"/>
           </a:p>
@@ -1770,7 +1737,7 @@
             <a:fld id="{1D8BD707-D9CF-40AE-B4C6-C98DA3205C09}" type="datetimeFigureOut">
               <a:rPr lang="en-US" smtClean="0"/>
               <a:pPr/>
-              <a:t>6/23/2023</a:t>
+              <a:t>6/26/2023</a:t>
             </a:fld>
             <a:endParaRPr lang="en-US"/>
           </a:p>
@@ -2189,7 +2156,7 @@
             <a:fld id="{1D8BD707-D9CF-40AE-B4C6-C98DA3205C09}" type="datetimeFigureOut">
               <a:rPr lang="en-US" smtClean="0"/>
               <a:pPr/>
-              <a:t>6/23/2023</a:t>
+              <a:t>6/26/2023</a:t>
             </a:fld>
             <a:endParaRPr lang="en-US"/>
           </a:p>
@@ -2306,7 +2273,7 @@
             <a:fld id="{1D8BD707-D9CF-40AE-B4C6-C98DA3205C09}" type="datetimeFigureOut">
               <a:rPr lang="en-US" smtClean="0"/>
               <a:pPr/>
-              <a:t>6/23/2023</a:t>
+              <a:t>6/26/2023</a:t>
             </a:fld>
             <a:endParaRPr lang="en-US"/>
           </a:p>
@@ -2401,7 +2368,7 @@
             <a:fld id="{1D8BD707-D9CF-40AE-B4C6-C98DA3205C09}" type="datetimeFigureOut">
               <a:rPr lang="en-US" smtClean="0"/>
               <a:pPr/>
-              <a:t>6/23/2023</a:t>
+              <a:t>6/26/2023</a:t>
             </a:fld>
             <a:endParaRPr lang="en-US"/>
           </a:p>
@@ -2676,7 +2643,7 @@
             <a:fld id="{1D8BD707-D9CF-40AE-B4C6-C98DA3205C09}" type="datetimeFigureOut">
               <a:rPr lang="en-US" smtClean="0"/>
               <a:pPr/>
-              <a:t>6/23/2023</a:t>
+              <a:t>6/26/2023</a:t>
             </a:fld>
             <a:endParaRPr lang="en-US"/>
           </a:p>
@@ -2928,7 +2895,7 @@
             <a:fld id="{1D8BD707-D9CF-40AE-B4C6-C98DA3205C09}" type="datetimeFigureOut">
               <a:rPr lang="en-US" smtClean="0"/>
               <a:pPr/>
-              <a:t>6/23/2023</a:t>
+              <a:t>6/26/2023</a:t>
             </a:fld>
             <a:endParaRPr lang="en-US"/>
           </a:p>
@@ -3139,7 +3106,7 @@
             <a:fld id="{1D8BD707-D9CF-40AE-B4C6-C98DA3205C09}" type="datetimeFigureOut">
               <a:rPr lang="en-US" smtClean="0"/>
               <a:pPr/>
-              <a:t>6/23/2023</a:t>
+              <a:t>6/26/2023</a:t>
             </a:fld>
             <a:endParaRPr lang="en-US"/>
           </a:p>
@@ -6258,7 +6225,7 @@
                 <a:latin typeface="Arial" pitchFamily="34" charset="0"/>
                 <a:cs typeface="Arial" pitchFamily="34" charset="0"/>
               </a:rPr>
-              <a:t>Encapsulation is defined 'as the process of enclosing one or more items within a physical or logical package'. Encapsulation, in object oriented programming methodology, prevents access to implementation details.</a:t>
+              <a:t>Encapsulation is defined 'as the process of enclosing one or more items within a logical package'. Encapsulation, in object oriented programming methodology, prevents access to implementation details.</a:t>
             </a:r>
           </a:p>
           <a:p>
@@ -6277,31 +6244,8 @@
                 <a:latin typeface="Arial" pitchFamily="34" charset="0"/>
                 <a:cs typeface="Arial" pitchFamily="34" charset="0"/>
               </a:rPr>
-              <a:t>Abstraction and encapsulation are related features in object oriented programming. Abstraction allows making relevant information visible and encapsulation enables a programmer to implement the desired level </a:t>
-            </a:r>
-            <a:r>
-              <a:rPr lang="en-US">
-                <a:solidFill>
-                  <a:schemeClr val="tx1">
-                    <a:lumMod val="65000"/>
-                    <a:lumOff val="35000"/>
-                  </a:schemeClr>
-                </a:solidFill>
-                <a:latin typeface="Arial" pitchFamily="34" charset="0"/>
-                <a:cs typeface="Arial" pitchFamily="34" charset="0"/>
-              </a:rPr>
-              <a:t>of abstraction</a:t>
-            </a:r>
-            <a:endParaRPr lang="en-US" dirty="0">
-              <a:solidFill>
-                <a:schemeClr val="tx1">
-                  <a:lumMod val="65000"/>
-                  <a:lumOff val="35000"/>
-                </a:schemeClr>
-              </a:solidFill>
-              <a:latin typeface="Arial" pitchFamily="34" charset="0"/>
-              <a:cs typeface="Arial" pitchFamily="34" charset="0"/>
-            </a:endParaRPr>
+              <a:t>Abstraction and encapsulation are related features in object oriented programming. Abstraction allows making relevant information visible</a:t>
+            </a:r>
           </a:p>
           <a:p>
             <a:pPr marL="463550" indent="-463550">
@@ -10737,57 +10681,6 @@
           </a:p>
         </p:txBody>
       </p:sp>
-      <mc:AlternateContent xmlns:mc="http://schemas.openxmlformats.org/markup-compatibility/2006" xmlns:p14="http://schemas.microsoft.com/office/powerpoint/2010/main">
-        <mc:Choice Requires="p14">
-          <p:contentPart p14:bwMode="auto" r:id="rId2">
-            <p14:nvContentPartPr>
-              <p14:cNvPr id="2" name="Ink 1">
-                <a:extLst>
-                  <a:ext uri="{FF2B5EF4-FFF2-40B4-BE49-F238E27FC236}">
-                    <a16:creationId xmlns:a16="http://schemas.microsoft.com/office/drawing/2014/main" id="{079B7BDD-4755-4784-8E16-0B833CFA1C68}"/>
-                  </a:ext>
-                </a:extLst>
-              </p14:cNvPr>
-              <p14:cNvContentPartPr/>
-              <p14:nvPr/>
-            </p14:nvContentPartPr>
-            <p14:xfrm>
-              <a:off x="2279880" y="1282680"/>
-              <a:ext cx="3867480" cy="3969000"/>
-            </p14:xfrm>
-          </p:contentPart>
-        </mc:Choice>
-        <mc:Fallback xmlns="">
-          <p:pic>
-            <p:nvPicPr>
-              <p:cNvPr id="2" name="Ink 1">
-                <a:extLst>
-                  <a:ext uri="{FF2B5EF4-FFF2-40B4-BE49-F238E27FC236}">
-                    <a16:creationId xmlns:a16="http://schemas.microsoft.com/office/drawing/2014/main" id="{079B7BDD-4755-4784-8E16-0B833CFA1C68}"/>
-                  </a:ext>
-                </a:extLst>
-              </p:cNvPr>
-              <p:cNvPicPr/>
-              <p:nvPr/>
-            </p:nvPicPr>
-            <p:blipFill>
-              <a:blip r:embed="rId3"/>
-              <a:stretch>
-                <a:fillRect/>
-              </a:stretch>
-            </p:blipFill>
-            <p:spPr>
-              <a:xfrm>
-                <a:off x="2270520" y="1273320"/>
-                <a:ext cx="3886200" cy="3987720"/>
-              </a:xfrm>
-              <a:prstGeom prst="rect">
-                <a:avLst/>
-              </a:prstGeom>
-            </p:spPr>
-          </p:pic>
-        </mc:Fallback>
-      </mc:AlternateContent>
     </p:spTree>
     <p:extLst>
       <p:ext uri="{BB962C8B-B14F-4D97-AF65-F5344CB8AC3E}">
@@ -13460,43 +13353,7 @@
                 </a:solidFill>
                 <a:latin typeface="Arial"/>
               </a:rPr>
-              <a:t>Properties are named members of classes ( </a:t>
-            </a:r>
-            <a:r>
-              <a:rPr lang="en-US" sz="2000" kern="0" dirty="0" err="1">
-                <a:solidFill>
-                  <a:srgbClr val="5F5F5F"/>
-                </a:solidFill>
-                <a:latin typeface="Arial"/>
-              </a:rPr>
-              <a:t>structs</a:t>
-            </a:r>
-            <a:r>
-              <a:rPr lang="en-US" sz="2000" kern="0" dirty="0">
-                <a:solidFill>
-                  <a:srgbClr val="5F5F5F"/>
-                </a:solidFill>
-                <a:latin typeface="Arial"/>
-              </a:rPr>
-              <a:t>, and interfaces) that provide a flexible mechanism to read, write, or compute the values of private fields through </a:t>
-            </a:r>
-            <a:r>
-              <a:rPr lang="en-US" sz="2000" kern="0" dirty="0" err="1">
-                <a:solidFill>
-                  <a:srgbClr val="5F5F5F"/>
-                </a:solidFill>
-                <a:latin typeface="Arial"/>
-              </a:rPr>
-              <a:t>accessors</a:t>
-            </a:r>
-            <a:r>
-              <a:rPr lang="en-US" sz="2000" kern="0" dirty="0">
-                <a:solidFill>
-                  <a:srgbClr val="5F5F5F"/>
-                </a:solidFill>
-                <a:latin typeface="Arial"/>
-              </a:rPr>
-              <a:t>.</a:t>
+              <a:t>Properties are named members of classes ( structs, and interfaces) that provide a flexible mechanism to read, write, or compute and validate the values of private/public fields through accessors.</a:t>
             </a:r>
           </a:p>
           <a:p>
